--- a/ppt 16-9/1307.旧约圣经提要.pptx
+++ b/ppt 16-9/1307.旧约圣经提要.pptx
@@ -5,7 +5,7 @@
     <p:sldMasterId id="2147483648" r:id="rId1"/>
   </p:sldMasterIdLst>
   <p:sldIdLst>
-    <p:sldId id="856" r:id="rId2"/>
+    <p:sldId id="857" r:id="rId2"/>
   </p:sldIdLst>
   <p:sldSz cx="12192000" cy="6858000"/>
   <p:notesSz cx="6858000" cy="9144000"/>
@@ -129,7 +129,7 @@
           <p:cNvPr id="2" name="标题 1">
             <a:extLst>
               <a:ext uri="{FF2B5EF4-FFF2-40B4-BE49-F238E27FC236}">
-                <a16:creationId xmlns:a16="http://schemas.microsoft.com/office/drawing/2014/main" id="{3EEBC423-08A9-41D1-D930-E8C6F6E5689D}"/>
+                <a16:creationId xmlns:a16="http://schemas.microsoft.com/office/drawing/2014/main" id="{3685F20B-1863-8F12-7E80-DF325977AD2D}"/>
               </a:ext>
             </a:extLst>
           </p:cNvPr>
@@ -166,7 +166,7 @@
           <p:cNvPr id="3" name="副标题 2">
             <a:extLst>
               <a:ext uri="{FF2B5EF4-FFF2-40B4-BE49-F238E27FC236}">
-                <a16:creationId xmlns:a16="http://schemas.microsoft.com/office/drawing/2014/main" id="{66931411-DC2F-1E34-167D-02EEAB586F6A}"/>
+                <a16:creationId xmlns:a16="http://schemas.microsoft.com/office/drawing/2014/main" id="{C6AD4B20-80AB-65FD-4A62-0047752EDBB0}"/>
               </a:ext>
             </a:extLst>
           </p:cNvPr>
@@ -236,7 +236,7 @@
           <p:cNvPr id="4" name="日期占位符 3">
             <a:extLst>
               <a:ext uri="{FF2B5EF4-FFF2-40B4-BE49-F238E27FC236}">
-                <a16:creationId xmlns:a16="http://schemas.microsoft.com/office/drawing/2014/main" id="{4A35C6EA-E803-04AF-9C27-197D508AB7FB}"/>
+                <a16:creationId xmlns:a16="http://schemas.microsoft.com/office/drawing/2014/main" id="{C5C9EB4D-38C7-7DF8-6FBA-798DA90A6DD7}"/>
               </a:ext>
             </a:extLst>
           </p:cNvPr>
@@ -252,7 +252,7 @@
           <a:bodyPr/>
           <a:lstStyle/>
           <a:p>
-            <a:fld id="{838241CE-4232-44C3-8CDA-0FE9BDB4FCB2}" type="datetimeFigureOut">
+            <a:fld id="{4AE00DFD-1148-470B-A644-A9240A6FD5E7}" type="datetimeFigureOut">
               <a:rPr lang="zh-CN" altLang="en-US" smtClean="0"/>
               <a:t>2024/3/10</a:t>
             </a:fld>
@@ -265,7 +265,7 @@
           <p:cNvPr id="5" name="页脚占位符 4">
             <a:extLst>
               <a:ext uri="{FF2B5EF4-FFF2-40B4-BE49-F238E27FC236}">
-                <a16:creationId xmlns:a16="http://schemas.microsoft.com/office/drawing/2014/main" id="{BB680C9C-4E2F-8930-6980-C04C2B1330BB}"/>
+                <a16:creationId xmlns:a16="http://schemas.microsoft.com/office/drawing/2014/main" id="{A4446BB1-9E7A-F975-FF41-ADFD1AB125E3}"/>
               </a:ext>
             </a:extLst>
           </p:cNvPr>
@@ -290,7 +290,7 @@
           <p:cNvPr id="6" name="灯片编号占位符 5">
             <a:extLst>
               <a:ext uri="{FF2B5EF4-FFF2-40B4-BE49-F238E27FC236}">
-                <a16:creationId xmlns:a16="http://schemas.microsoft.com/office/drawing/2014/main" id="{50093A76-D892-D65B-F9F3-C6BD310EA45E}"/>
+                <a16:creationId xmlns:a16="http://schemas.microsoft.com/office/drawing/2014/main" id="{4CFF74D3-6A49-C479-863B-63B743D894CB}"/>
               </a:ext>
             </a:extLst>
           </p:cNvPr>
@@ -306,7 +306,7 @@
           <a:bodyPr/>
           <a:lstStyle/>
           <a:p>
-            <a:fld id="{5DF587FF-35D2-4A4F-BFC7-D2DC6CDC56C9}" type="slidenum">
+            <a:fld id="{0CD9E9AE-C5AB-48A4-9355-9AF7C529B05D}" type="slidenum">
               <a:rPr lang="zh-CN" altLang="en-US" smtClean="0"/>
               <a:t>‹#›</a:t>
             </a:fld>
@@ -317,7 +317,7 @@
     </p:spTree>
     <p:extLst>
       <p:ext uri="{BB962C8B-B14F-4D97-AF65-F5344CB8AC3E}">
-        <p14:creationId xmlns:p14="http://schemas.microsoft.com/office/powerpoint/2010/main" val="1284755490"/>
+        <p14:creationId xmlns:p14="http://schemas.microsoft.com/office/powerpoint/2010/main" val="409725989"/>
       </p:ext>
     </p:extLst>
   </p:cSld>
@@ -349,7 +349,7 @@
           <p:cNvPr id="2" name="标题 1">
             <a:extLst>
               <a:ext uri="{FF2B5EF4-FFF2-40B4-BE49-F238E27FC236}">
-                <a16:creationId xmlns:a16="http://schemas.microsoft.com/office/drawing/2014/main" id="{7CC809E3-F368-EB1F-F080-B36253EC0309}"/>
+                <a16:creationId xmlns:a16="http://schemas.microsoft.com/office/drawing/2014/main" id="{4EEE03F3-DA4B-37C0-CAB9-28215C7B835B}"/>
               </a:ext>
             </a:extLst>
           </p:cNvPr>
@@ -377,7 +377,7 @@
           <p:cNvPr id="3" name="竖排文字占位符 2">
             <a:extLst>
               <a:ext uri="{FF2B5EF4-FFF2-40B4-BE49-F238E27FC236}">
-                <a16:creationId xmlns:a16="http://schemas.microsoft.com/office/drawing/2014/main" id="{17B72F34-0CF8-55D1-4BA6-DADEE6F9CC56}"/>
+                <a16:creationId xmlns:a16="http://schemas.microsoft.com/office/drawing/2014/main" id="{2441F624-5547-56E9-EA0B-CC92B0DB7F44}"/>
               </a:ext>
             </a:extLst>
           </p:cNvPr>
@@ -434,7 +434,7 @@
           <p:cNvPr id="4" name="日期占位符 3">
             <a:extLst>
               <a:ext uri="{FF2B5EF4-FFF2-40B4-BE49-F238E27FC236}">
-                <a16:creationId xmlns:a16="http://schemas.microsoft.com/office/drawing/2014/main" id="{A0A08D25-F9FA-3EDA-A949-B4597B454FED}"/>
+                <a16:creationId xmlns:a16="http://schemas.microsoft.com/office/drawing/2014/main" id="{F68E38C1-5731-112F-DDE1-99CE1CE91F78}"/>
               </a:ext>
             </a:extLst>
           </p:cNvPr>
@@ -450,7 +450,7 @@
           <a:bodyPr/>
           <a:lstStyle/>
           <a:p>
-            <a:fld id="{838241CE-4232-44C3-8CDA-0FE9BDB4FCB2}" type="datetimeFigureOut">
+            <a:fld id="{4AE00DFD-1148-470B-A644-A9240A6FD5E7}" type="datetimeFigureOut">
               <a:rPr lang="zh-CN" altLang="en-US" smtClean="0"/>
               <a:t>2024/3/10</a:t>
             </a:fld>
@@ -463,7 +463,7 @@
           <p:cNvPr id="5" name="页脚占位符 4">
             <a:extLst>
               <a:ext uri="{FF2B5EF4-FFF2-40B4-BE49-F238E27FC236}">
-                <a16:creationId xmlns:a16="http://schemas.microsoft.com/office/drawing/2014/main" id="{6544C76A-E04F-3637-BC09-AAFA6A9094C8}"/>
+                <a16:creationId xmlns:a16="http://schemas.microsoft.com/office/drawing/2014/main" id="{EC387692-F114-298F-C43E-68AFB901DD09}"/>
               </a:ext>
             </a:extLst>
           </p:cNvPr>
@@ -488,7 +488,7 @@
           <p:cNvPr id="6" name="灯片编号占位符 5">
             <a:extLst>
               <a:ext uri="{FF2B5EF4-FFF2-40B4-BE49-F238E27FC236}">
-                <a16:creationId xmlns:a16="http://schemas.microsoft.com/office/drawing/2014/main" id="{19C37957-5932-1A2C-92E2-F02BE2034891}"/>
+                <a16:creationId xmlns:a16="http://schemas.microsoft.com/office/drawing/2014/main" id="{79F63670-9886-0839-AF47-F725193597F0}"/>
               </a:ext>
             </a:extLst>
           </p:cNvPr>
@@ -504,7 +504,7 @@
           <a:bodyPr/>
           <a:lstStyle/>
           <a:p>
-            <a:fld id="{5DF587FF-35D2-4A4F-BFC7-D2DC6CDC56C9}" type="slidenum">
+            <a:fld id="{0CD9E9AE-C5AB-48A4-9355-9AF7C529B05D}" type="slidenum">
               <a:rPr lang="zh-CN" altLang="en-US" smtClean="0"/>
               <a:t>‹#›</a:t>
             </a:fld>
@@ -515,7 +515,7 @@
     </p:spTree>
     <p:extLst>
       <p:ext uri="{BB962C8B-B14F-4D97-AF65-F5344CB8AC3E}">
-        <p14:creationId xmlns:p14="http://schemas.microsoft.com/office/powerpoint/2010/main" val="852454753"/>
+        <p14:creationId xmlns:p14="http://schemas.microsoft.com/office/powerpoint/2010/main" val="4089239501"/>
       </p:ext>
     </p:extLst>
   </p:cSld>
@@ -547,7 +547,7 @@
           <p:cNvPr id="2" name="竖排标题 1">
             <a:extLst>
               <a:ext uri="{FF2B5EF4-FFF2-40B4-BE49-F238E27FC236}">
-                <a16:creationId xmlns:a16="http://schemas.microsoft.com/office/drawing/2014/main" id="{BD80093D-4411-FA8D-AAE2-CFC36B8B6FA5}"/>
+                <a16:creationId xmlns:a16="http://schemas.microsoft.com/office/drawing/2014/main" id="{0E733BEC-011F-3EF1-3E4B-451D89882D7B}"/>
               </a:ext>
             </a:extLst>
           </p:cNvPr>
@@ -580,7 +580,7 @@
           <p:cNvPr id="3" name="竖排文字占位符 2">
             <a:extLst>
               <a:ext uri="{FF2B5EF4-FFF2-40B4-BE49-F238E27FC236}">
-                <a16:creationId xmlns:a16="http://schemas.microsoft.com/office/drawing/2014/main" id="{40600D97-C6FD-4A84-9BDB-AA98754C06D2}"/>
+                <a16:creationId xmlns:a16="http://schemas.microsoft.com/office/drawing/2014/main" id="{E1364AB3-C72C-DA91-BC2A-DB40365A0046}"/>
               </a:ext>
             </a:extLst>
           </p:cNvPr>
@@ -642,7 +642,7 @@
           <p:cNvPr id="4" name="日期占位符 3">
             <a:extLst>
               <a:ext uri="{FF2B5EF4-FFF2-40B4-BE49-F238E27FC236}">
-                <a16:creationId xmlns:a16="http://schemas.microsoft.com/office/drawing/2014/main" id="{AD0AD574-D904-32B4-8F89-8383DCF624EC}"/>
+                <a16:creationId xmlns:a16="http://schemas.microsoft.com/office/drawing/2014/main" id="{9F8AFAD1-5AB1-38F5-3F72-B6D391F3EE56}"/>
               </a:ext>
             </a:extLst>
           </p:cNvPr>
@@ -658,7 +658,7 @@
           <a:bodyPr/>
           <a:lstStyle/>
           <a:p>
-            <a:fld id="{838241CE-4232-44C3-8CDA-0FE9BDB4FCB2}" type="datetimeFigureOut">
+            <a:fld id="{4AE00DFD-1148-470B-A644-A9240A6FD5E7}" type="datetimeFigureOut">
               <a:rPr lang="zh-CN" altLang="en-US" smtClean="0"/>
               <a:t>2024/3/10</a:t>
             </a:fld>
@@ -671,7 +671,7 @@
           <p:cNvPr id="5" name="页脚占位符 4">
             <a:extLst>
               <a:ext uri="{FF2B5EF4-FFF2-40B4-BE49-F238E27FC236}">
-                <a16:creationId xmlns:a16="http://schemas.microsoft.com/office/drawing/2014/main" id="{B85BEA87-BA05-DA9A-7FAE-D4B7967AEEAE}"/>
+                <a16:creationId xmlns:a16="http://schemas.microsoft.com/office/drawing/2014/main" id="{9BD11098-44F5-8B44-CBE5-EF30FAB9D770}"/>
               </a:ext>
             </a:extLst>
           </p:cNvPr>
@@ -696,7 +696,7 @@
           <p:cNvPr id="6" name="灯片编号占位符 5">
             <a:extLst>
               <a:ext uri="{FF2B5EF4-FFF2-40B4-BE49-F238E27FC236}">
-                <a16:creationId xmlns:a16="http://schemas.microsoft.com/office/drawing/2014/main" id="{2459AD95-C1FD-8301-1B79-5FC8FD7271FA}"/>
+                <a16:creationId xmlns:a16="http://schemas.microsoft.com/office/drawing/2014/main" id="{59B62B0D-E5A2-17C3-5AC3-7F7B2E274E1D}"/>
               </a:ext>
             </a:extLst>
           </p:cNvPr>
@@ -712,7 +712,7 @@
           <a:bodyPr/>
           <a:lstStyle/>
           <a:p>
-            <a:fld id="{5DF587FF-35D2-4A4F-BFC7-D2DC6CDC56C9}" type="slidenum">
+            <a:fld id="{0CD9E9AE-C5AB-48A4-9355-9AF7C529B05D}" type="slidenum">
               <a:rPr lang="zh-CN" altLang="en-US" smtClean="0"/>
               <a:t>‹#›</a:t>
             </a:fld>
@@ -723,7 +723,7 @@
     </p:spTree>
     <p:extLst>
       <p:ext uri="{BB962C8B-B14F-4D97-AF65-F5344CB8AC3E}">
-        <p14:creationId xmlns:p14="http://schemas.microsoft.com/office/powerpoint/2010/main" val="1862051707"/>
+        <p14:creationId xmlns:p14="http://schemas.microsoft.com/office/powerpoint/2010/main" val="156968863"/>
       </p:ext>
     </p:extLst>
   </p:cSld>
@@ -755,7 +755,7 @@
           <p:cNvPr id="2" name="标题 1">
             <a:extLst>
               <a:ext uri="{FF2B5EF4-FFF2-40B4-BE49-F238E27FC236}">
-                <a16:creationId xmlns:a16="http://schemas.microsoft.com/office/drawing/2014/main" id="{C27D5804-3354-17DF-391D-B46EBE553F20}"/>
+                <a16:creationId xmlns:a16="http://schemas.microsoft.com/office/drawing/2014/main" id="{CD3D3C5A-4A38-2CD1-750B-900B2F3EE1A7}"/>
               </a:ext>
             </a:extLst>
           </p:cNvPr>
@@ -783,7 +783,7 @@
           <p:cNvPr id="3" name="内容占位符 2">
             <a:extLst>
               <a:ext uri="{FF2B5EF4-FFF2-40B4-BE49-F238E27FC236}">
-                <a16:creationId xmlns:a16="http://schemas.microsoft.com/office/drawing/2014/main" id="{A6FFC3A5-60A9-5DEC-F379-83A0A184A3FF}"/>
+                <a16:creationId xmlns:a16="http://schemas.microsoft.com/office/drawing/2014/main" id="{EBA8B442-0373-F954-2464-2E77D526CF30}"/>
               </a:ext>
             </a:extLst>
           </p:cNvPr>
@@ -840,7 +840,7 @@
           <p:cNvPr id="4" name="日期占位符 3">
             <a:extLst>
               <a:ext uri="{FF2B5EF4-FFF2-40B4-BE49-F238E27FC236}">
-                <a16:creationId xmlns:a16="http://schemas.microsoft.com/office/drawing/2014/main" id="{0E8CA4AA-FFF2-7392-5E72-46907B4181EB}"/>
+                <a16:creationId xmlns:a16="http://schemas.microsoft.com/office/drawing/2014/main" id="{C9FF8910-4FD7-A317-A136-94BD7316D3E4}"/>
               </a:ext>
             </a:extLst>
           </p:cNvPr>
@@ -856,7 +856,7 @@
           <a:bodyPr/>
           <a:lstStyle/>
           <a:p>
-            <a:fld id="{838241CE-4232-44C3-8CDA-0FE9BDB4FCB2}" type="datetimeFigureOut">
+            <a:fld id="{4AE00DFD-1148-470B-A644-A9240A6FD5E7}" type="datetimeFigureOut">
               <a:rPr lang="zh-CN" altLang="en-US" smtClean="0"/>
               <a:t>2024/3/10</a:t>
             </a:fld>
@@ -869,7 +869,7 @@
           <p:cNvPr id="5" name="页脚占位符 4">
             <a:extLst>
               <a:ext uri="{FF2B5EF4-FFF2-40B4-BE49-F238E27FC236}">
-                <a16:creationId xmlns:a16="http://schemas.microsoft.com/office/drawing/2014/main" id="{25E5FA74-5233-F9CF-458B-15ADB1FCA6BF}"/>
+                <a16:creationId xmlns:a16="http://schemas.microsoft.com/office/drawing/2014/main" id="{9A6810EB-B738-B680-FA78-4AD6EF607EAC}"/>
               </a:ext>
             </a:extLst>
           </p:cNvPr>
@@ -894,7 +894,7 @@
           <p:cNvPr id="6" name="灯片编号占位符 5">
             <a:extLst>
               <a:ext uri="{FF2B5EF4-FFF2-40B4-BE49-F238E27FC236}">
-                <a16:creationId xmlns:a16="http://schemas.microsoft.com/office/drawing/2014/main" id="{5D1214C9-4723-FE4A-F0B5-1C88E72DFA61}"/>
+                <a16:creationId xmlns:a16="http://schemas.microsoft.com/office/drawing/2014/main" id="{2C37CBC7-C4AC-F357-0676-E12DB0150A5C}"/>
               </a:ext>
             </a:extLst>
           </p:cNvPr>
@@ -910,7 +910,7 @@
           <a:bodyPr/>
           <a:lstStyle/>
           <a:p>
-            <a:fld id="{5DF587FF-35D2-4A4F-BFC7-D2DC6CDC56C9}" type="slidenum">
+            <a:fld id="{0CD9E9AE-C5AB-48A4-9355-9AF7C529B05D}" type="slidenum">
               <a:rPr lang="zh-CN" altLang="en-US" smtClean="0"/>
               <a:t>‹#›</a:t>
             </a:fld>
@@ -921,7 +921,7 @@
     </p:spTree>
     <p:extLst>
       <p:ext uri="{BB962C8B-B14F-4D97-AF65-F5344CB8AC3E}">
-        <p14:creationId xmlns:p14="http://schemas.microsoft.com/office/powerpoint/2010/main" val="3930599852"/>
+        <p14:creationId xmlns:p14="http://schemas.microsoft.com/office/powerpoint/2010/main" val="358655435"/>
       </p:ext>
     </p:extLst>
   </p:cSld>
@@ -953,7 +953,7 @@
           <p:cNvPr id="2" name="标题 1">
             <a:extLst>
               <a:ext uri="{FF2B5EF4-FFF2-40B4-BE49-F238E27FC236}">
-                <a16:creationId xmlns:a16="http://schemas.microsoft.com/office/drawing/2014/main" id="{7DE8C624-9346-692C-6036-8EA3E0347208}"/>
+                <a16:creationId xmlns:a16="http://schemas.microsoft.com/office/drawing/2014/main" id="{EEFD8F4F-96AA-4ED8-778F-0F7C1EF3A44D}"/>
               </a:ext>
             </a:extLst>
           </p:cNvPr>
@@ -990,7 +990,7 @@
           <p:cNvPr id="3" name="文本占位符 2">
             <a:extLst>
               <a:ext uri="{FF2B5EF4-FFF2-40B4-BE49-F238E27FC236}">
-                <a16:creationId xmlns:a16="http://schemas.microsoft.com/office/drawing/2014/main" id="{7E79F939-C686-49BA-5A7C-6309EEC3D06D}"/>
+                <a16:creationId xmlns:a16="http://schemas.microsoft.com/office/drawing/2014/main" id="{B15A490B-621F-5ECE-58D2-7DA3D76E7655}"/>
               </a:ext>
             </a:extLst>
           </p:cNvPr>
@@ -1115,7 +1115,7 @@
           <p:cNvPr id="4" name="日期占位符 3">
             <a:extLst>
               <a:ext uri="{FF2B5EF4-FFF2-40B4-BE49-F238E27FC236}">
-                <a16:creationId xmlns:a16="http://schemas.microsoft.com/office/drawing/2014/main" id="{AF9CE7D1-E0F2-900A-9CE2-9A76BF2D4BD9}"/>
+                <a16:creationId xmlns:a16="http://schemas.microsoft.com/office/drawing/2014/main" id="{D5B40B43-95B8-0ECD-ABB8-8805A228FD24}"/>
               </a:ext>
             </a:extLst>
           </p:cNvPr>
@@ -1131,7 +1131,7 @@
           <a:bodyPr/>
           <a:lstStyle/>
           <a:p>
-            <a:fld id="{838241CE-4232-44C3-8CDA-0FE9BDB4FCB2}" type="datetimeFigureOut">
+            <a:fld id="{4AE00DFD-1148-470B-A644-A9240A6FD5E7}" type="datetimeFigureOut">
               <a:rPr lang="zh-CN" altLang="en-US" smtClean="0"/>
               <a:t>2024/3/10</a:t>
             </a:fld>
@@ -1144,7 +1144,7 @@
           <p:cNvPr id="5" name="页脚占位符 4">
             <a:extLst>
               <a:ext uri="{FF2B5EF4-FFF2-40B4-BE49-F238E27FC236}">
-                <a16:creationId xmlns:a16="http://schemas.microsoft.com/office/drawing/2014/main" id="{D54E407C-FD4E-68E3-FE4D-8BDC7DEA1D9F}"/>
+                <a16:creationId xmlns:a16="http://schemas.microsoft.com/office/drawing/2014/main" id="{4F4E4D0A-E583-DC37-4525-E4EF7C98AB7C}"/>
               </a:ext>
             </a:extLst>
           </p:cNvPr>
@@ -1169,7 +1169,7 @@
           <p:cNvPr id="6" name="灯片编号占位符 5">
             <a:extLst>
               <a:ext uri="{FF2B5EF4-FFF2-40B4-BE49-F238E27FC236}">
-                <a16:creationId xmlns:a16="http://schemas.microsoft.com/office/drawing/2014/main" id="{1972AB89-3714-B7A1-67CB-B09CBFF78AFA}"/>
+                <a16:creationId xmlns:a16="http://schemas.microsoft.com/office/drawing/2014/main" id="{32230064-8574-6022-5CC8-007749ED58B4}"/>
               </a:ext>
             </a:extLst>
           </p:cNvPr>
@@ -1185,7 +1185,7 @@
           <a:bodyPr/>
           <a:lstStyle/>
           <a:p>
-            <a:fld id="{5DF587FF-35D2-4A4F-BFC7-D2DC6CDC56C9}" type="slidenum">
+            <a:fld id="{0CD9E9AE-C5AB-48A4-9355-9AF7C529B05D}" type="slidenum">
               <a:rPr lang="zh-CN" altLang="en-US" smtClean="0"/>
               <a:t>‹#›</a:t>
             </a:fld>
@@ -1196,7 +1196,7 @@
     </p:spTree>
     <p:extLst>
       <p:ext uri="{BB962C8B-B14F-4D97-AF65-F5344CB8AC3E}">
-        <p14:creationId xmlns:p14="http://schemas.microsoft.com/office/powerpoint/2010/main" val="4234728055"/>
+        <p14:creationId xmlns:p14="http://schemas.microsoft.com/office/powerpoint/2010/main" val="486890279"/>
       </p:ext>
     </p:extLst>
   </p:cSld>
@@ -1228,7 +1228,7 @@
           <p:cNvPr id="2" name="标题 1">
             <a:extLst>
               <a:ext uri="{FF2B5EF4-FFF2-40B4-BE49-F238E27FC236}">
-                <a16:creationId xmlns:a16="http://schemas.microsoft.com/office/drawing/2014/main" id="{F1D8FB76-CD01-8690-C215-BCE012DD5ED5}"/>
+                <a16:creationId xmlns:a16="http://schemas.microsoft.com/office/drawing/2014/main" id="{AFD11973-3E07-C207-716C-2D60DD065D46}"/>
               </a:ext>
             </a:extLst>
           </p:cNvPr>
@@ -1256,7 +1256,7 @@
           <p:cNvPr id="3" name="内容占位符 2">
             <a:extLst>
               <a:ext uri="{FF2B5EF4-FFF2-40B4-BE49-F238E27FC236}">
-                <a16:creationId xmlns:a16="http://schemas.microsoft.com/office/drawing/2014/main" id="{F9A66BAD-34A0-AC35-B5DB-C56720791DEA}"/>
+                <a16:creationId xmlns:a16="http://schemas.microsoft.com/office/drawing/2014/main" id="{86849B7C-4345-3CCE-6410-6856D388B092}"/>
               </a:ext>
             </a:extLst>
           </p:cNvPr>
@@ -1318,7 +1318,7 @@
           <p:cNvPr id="4" name="内容占位符 3">
             <a:extLst>
               <a:ext uri="{FF2B5EF4-FFF2-40B4-BE49-F238E27FC236}">
-                <a16:creationId xmlns:a16="http://schemas.microsoft.com/office/drawing/2014/main" id="{BD1C21B3-CE56-9B7F-B517-2D792374537F}"/>
+                <a16:creationId xmlns:a16="http://schemas.microsoft.com/office/drawing/2014/main" id="{5510AFE7-2436-3146-225F-F2B67BEE5DCD}"/>
               </a:ext>
             </a:extLst>
           </p:cNvPr>
@@ -1380,7 +1380,7 @@
           <p:cNvPr id="5" name="日期占位符 4">
             <a:extLst>
               <a:ext uri="{FF2B5EF4-FFF2-40B4-BE49-F238E27FC236}">
-                <a16:creationId xmlns:a16="http://schemas.microsoft.com/office/drawing/2014/main" id="{C4C932C1-C108-9B23-C77E-2B1BCCAC27E5}"/>
+                <a16:creationId xmlns:a16="http://schemas.microsoft.com/office/drawing/2014/main" id="{9A508EE6-B763-A341-33D0-0C97916B3E55}"/>
               </a:ext>
             </a:extLst>
           </p:cNvPr>
@@ -1396,7 +1396,7 @@
           <a:bodyPr/>
           <a:lstStyle/>
           <a:p>
-            <a:fld id="{838241CE-4232-44C3-8CDA-0FE9BDB4FCB2}" type="datetimeFigureOut">
+            <a:fld id="{4AE00DFD-1148-470B-A644-A9240A6FD5E7}" type="datetimeFigureOut">
               <a:rPr lang="zh-CN" altLang="en-US" smtClean="0"/>
               <a:t>2024/3/10</a:t>
             </a:fld>
@@ -1409,7 +1409,7 @@
           <p:cNvPr id="6" name="页脚占位符 5">
             <a:extLst>
               <a:ext uri="{FF2B5EF4-FFF2-40B4-BE49-F238E27FC236}">
-                <a16:creationId xmlns:a16="http://schemas.microsoft.com/office/drawing/2014/main" id="{8778FB53-1CEA-28AC-46D4-0A52EDC471DC}"/>
+                <a16:creationId xmlns:a16="http://schemas.microsoft.com/office/drawing/2014/main" id="{907FF026-7870-B175-9225-CB733846F672}"/>
               </a:ext>
             </a:extLst>
           </p:cNvPr>
@@ -1434,7 +1434,7 @@
           <p:cNvPr id="7" name="灯片编号占位符 6">
             <a:extLst>
               <a:ext uri="{FF2B5EF4-FFF2-40B4-BE49-F238E27FC236}">
-                <a16:creationId xmlns:a16="http://schemas.microsoft.com/office/drawing/2014/main" id="{4364F764-CF9F-03D7-C02E-7F12905E2BB8}"/>
+                <a16:creationId xmlns:a16="http://schemas.microsoft.com/office/drawing/2014/main" id="{2AD0B4F0-2927-9157-5359-588C6D9CA5DB}"/>
               </a:ext>
             </a:extLst>
           </p:cNvPr>
@@ -1450,7 +1450,7 @@
           <a:bodyPr/>
           <a:lstStyle/>
           <a:p>
-            <a:fld id="{5DF587FF-35D2-4A4F-BFC7-D2DC6CDC56C9}" type="slidenum">
+            <a:fld id="{0CD9E9AE-C5AB-48A4-9355-9AF7C529B05D}" type="slidenum">
               <a:rPr lang="zh-CN" altLang="en-US" smtClean="0"/>
               <a:t>‹#›</a:t>
             </a:fld>
@@ -1461,7 +1461,7 @@
     </p:spTree>
     <p:extLst>
       <p:ext uri="{BB962C8B-B14F-4D97-AF65-F5344CB8AC3E}">
-        <p14:creationId xmlns:p14="http://schemas.microsoft.com/office/powerpoint/2010/main" val="3598068152"/>
+        <p14:creationId xmlns:p14="http://schemas.microsoft.com/office/powerpoint/2010/main" val="332446259"/>
       </p:ext>
     </p:extLst>
   </p:cSld>
@@ -1493,7 +1493,7 @@
           <p:cNvPr id="2" name="标题 1">
             <a:extLst>
               <a:ext uri="{FF2B5EF4-FFF2-40B4-BE49-F238E27FC236}">
-                <a16:creationId xmlns:a16="http://schemas.microsoft.com/office/drawing/2014/main" id="{1E043F3B-D518-B35D-6CA9-852EC50339DA}"/>
+                <a16:creationId xmlns:a16="http://schemas.microsoft.com/office/drawing/2014/main" id="{576370D9-7E87-852E-AFA2-77AF472280B2}"/>
               </a:ext>
             </a:extLst>
           </p:cNvPr>
@@ -1526,7 +1526,7 @@
           <p:cNvPr id="3" name="文本占位符 2">
             <a:extLst>
               <a:ext uri="{FF2B5EF4-FFF2-40B4-BE49-F238E27FC236}">
-                <a16:creationId xmlns:a16="http://schemas.microsoft.com/office/drawing/2014/main" id="{3DD7EF82-FE50-1CA3-C2B8-84FE3E94A839}"/>
+                <a16:creationId xmlns:a16="http://schemas.microsoft.com/office/drawing/2014/main" id="{87D4A408-792C-E760-4FAE-BB1E5B24617D}"/>
               </a:ext>
             </a:extLst>
           </p:cNvPr>
@@ -1597,7 +1597,7 @@
           <p:cNvPr id="4" name="内容占位符 3">
             <a:extLst>
               <a:ext uri="{FF2B5EF4-FFF2-40B4-BE49-F238E27FC236}">
-                <a16:creationId xmlns:a16="http://schemas.microsoft.com/office/drawing/2014/main" id="{D640D99A-C91B-273B-D907-71A7D982CD0F}"/>
+                <a16:creationId xmlns:a16="http://schemas.microsoft.com/office/drawing/2014/main" id="{213110BC-F128-7D14-F56F-C616650B0899}"/>
               </a:ext>
             </a:extLst>
           </p:cNvPr>
@@ -1659,7 +1659,7 @@
           <p:cNvPr id="5" name="文本占位符 4">
             <a:extLst>
               <a:ext uri="{FF2B5EF4-FFF2-40B4-BE49-F238E27FC236}">
-                <a16:creationId xmlns:a16="http://schemas.microsoft.com/office/drawing/2014/main" id="{D8EBC884-761D-0D84-AD0C-5C4EC83E6096}"/>
+                <a16:creationId xmlns:a16="http://schemas.microsoft.com/office/drawing/2014/main" id="{F584E432-A7DE-E809-8B33-64E4367E17F8}"/>
               </a:ext>
             </a:extLst>
           </p:cNvPr>
@@ -1730,7 +1730,7 @@
           <p:cNvPr id="6" name="内容占位符 5">
             <a:extLst>
               <a:ext uri="{FF2B5EF4-FFF2-40B4-BE49-F238E27FC236}">
-                <a16:creationId xmlns:a16="http://schemas.microsoft.com/office/drawing/2014/main" id="{8CEF73E4-5CFB-BB86-B72F-AF0656DDD379}"/>
+                <a16:creationId xmlns:a16="http://schemas.microsoft.com/office/drawing/2014/main" id="{6A9AB732-8870-495A-01D7-3C033AAB6E66}"/>
               </a:ext>
             </a:extLst>
           </p:cNvPr>
@@ -1792,7 +1792,7 @@
           <p:cNvPr id="7" name="日期占位符 6">
             <a:extLst>
               <a:ext uri="{FF2B5EF4-FFF2-40B4-BE49-F238E27FC236}">
-                <a16:creationId xmlns:a16="http://schemas.microsoft.com/office/drawing/2014/main" id="{EAE0439C-0B05-9248-959E-F8B48F792591}"/>
+                <a16:creationId xmlns:a16="http://schemas.microsoft.com/office/drawing/2014/main" id="{94AE045A-B1DC-320F-7652-72BBAFAE4AE6}"/>
               </a:ext>
             </a:extLst>
           </p:cNvPr>
@@ -1808,7 +1808,7 @@
           <a:bodyPr/>
           <a:lstStyle/>
           <a:p>
-            <a:fld id="{838241CE-4232-44C3-8CDA-0FE9BDB4FCB2}" type="datetimeFigureOut">
+            <a:fld id="{4AE00DFD-1148-470B-A644-A9240A6FD5E7}" type="datetimeFigureOut">
               <a:rPr lang="zh-CN" altLang="en-US" smtClean="0"/>
               <a:t>2024/3/10</a:t>
             </a:fld>
@@ -1821,7 +1821,7 @@
           <p:cNvPr id="8" name="页脚占位符 7">
             <a:extLst>
               <a:ext uri="{FF2B5EF4-FFF2-40B4-BE49-F238E27FC236}">
-                <a16:creationId xmlns:a16="http://schemas.microsoft.com/office/drawing/2014/main" id="{0ED3F9FD-DE7D-1445-A5BE-0A1F23070783}"/>
+                <a16:creationId xmlns:a16="http://schemas.microsoft.com/office/drawing/2014/main" id="{8871BCD4-3E8E-06D6-3559-CAACB438D576}"/>
               </a:ext>
             </a:extLst>
           </p:cNvPr>
@@ -1846,7 +1846,7 @@
           <p:cNvPr id="9" name="灯片编号占位符 8">
             <a:extLst>
               <a:ext uri="{FF2B5EF4-FFF2-40B4-BE49-F238E27FC236}">
-                <a16:creationId xmlns:a16="http://schemas.microsoft.com/office/drawing/2014/main" id="{985A443A-3AFD-C158-E64C-82DE19E9B641}"/>
+                <a16:creationId xmlns:a16="http://schemas.microsoft.com/office/drawing/2014/main" id="{11A9B2DD-C49D-45E5-91FF-4C296319109D}"/>
               </a:ext>
             </a:extLst>
           </p:cNvPr>
@@ -1862,7 +1862,7 @@
           <a:bodyPr/>
           <a:lstStyle/>
           <a:p>
-            <a:fld id="{5DF587FF-35D2-4A4F-BFC7-D2DC6CDC56C9}" type="slidenum">
+            <a:fld id="{0CD9E9AE-C5AB-48A4-9355-9AF7C529B05D}" type="slidenum">
               <a:rPr lang="zh-CN" altLang="en-US" smtClean="0"/>
               <a:t>‹#›</a:t>
             </a:fld>
@@ -1873,7 +1873,7 @@
     </p:spTree>
     <p:extLst>
       <p:ext uri="{BB962C8B-B14F-4D97-AF65-F5344CB8AC3E}">
-        <p14:creationId xmlns:p14="http://schemas.microsoft.com/office/powerpoint/2010/main" val="4121793508"/>
+        <p14:creationId xmlns:p14="http://schemas.microsoft.com/office/powerpoint/2010/main" val="864408113"/>
       </p:ext>
     </p:extLst>
   </p:cSld>
@@ -1905,7 +1905,7 @@
           <p:cNvPr id="2" name="标题 1">
             <a:extLst>
               <a:ext uri="{FF2B5EF4-FFF2-40B4-BE49-F238E27FC236}">
-                <a16:creationId xmlns:a16="http://schemas.microsoft.com/office/drawing/2014/main" id="{52026542-4510-2D87-A402-69E180E1F689}"/>
+                <a16:creationId xmlns:a16="http://schemas.microsoft.com/office/drawing/2014/main" id="{7D81EEC5-7219-EC7C-C91A-B0EEB8636930}"/>
               </a:ext>
             </a:extLst>
           </p:cNvPr>
@@ -1933,7 +1933,7 @@
           <p:cNvPr id="3" name="日期占位符 2">
             <a:extLst>
               <a:ext uri="{FF2B5EF4-FFF2-40B4-BE49-F238E27FC236}">
-                <a16:creationId xmlns:a16="http://schemas.microsoft.com/office/drawing/2014/main" id="{EEA35AEC-D382-ED60-FA04-BEC1E870612C}"/>
+                <a16:creationId xmlns:a16="http://schemas.microsoft.com/office/drawing/2014/main" id="{E3A36F2E-6EF3-B2B1-1BD7-AB87372078D7}"/>
               </a:ext>
             </a:extLst>
           </p:cNvPr>
@@ -1949,7 +1949,7 @@
           <a:bodyPr/>
           <a:lstStyle/>
           <a:p>
-            <a:fld id="{838241CE-4232-44C3-8CDA-0FE9BDB4FCB2}" type="datetimeFigureOut">
+            <a:fld id="{4AE00DFD-1148-470B-A644-A9240A6FD5E7}" type="datetimeFigureOut">
               <a:rPr lang="zh-CN" altLang="en-US" smtClean="0"/>
               <a:t>2024/3/10</a:t>
             </a:fld>
@@ -1962,7 +1962,7 @@
           <p:cNvPr id="4" name="页脚占位符 3">
             <a:extLst>
               <a:ext uri="{FF2B5EF4-FFF2-40B4-BE49-F238E27FC236}">
-                <a16:creationId xmlns:a16="http://schemas.microsoft.com/office/drawing/2014/main" id="{4FD7BA0A-901A-D224-9368-9AD7EC1FD6AE}"/>
+                <a16:creationId xmlns:a16="http://schemas.microsoft.com/office/drawing/2014/main" id="{1E1AAAC4-4E25-1EB2-D64E-15DE1C351843}"/>
               </a:ext>
             </a:extLst>
           </p:cNvPr>
@@ -1987,7 +1987,7 @@
           <p:cNvPr id="5" name="灯片编号占位符 4">
             <a:extLst>
               <a:ext uri="{FF2B5EF4-FFF2-40B4-BE49-F238E27FC236}">
-                <a16:creationId xmlns:a16="http://schemas.microsoft.com/office/drawing/2014/main" id="{88D535E6-D183-44C9-A9CE-23C988273874}"/>
+                <a16:creationId xmlns:a16="http://schemas.microsoft.com/office/drawing/2014/main" id="{A7A96492-9A86-5F9D-CF4D-CFAD4FA599BB}"/>
               </a:ext>
             </a:extLst>
           </p:cNvPr>
@@ -2003,7 +2003,7 @@
           <a:bodyPr/>
           <a:lstStyle/>
           <a:p>
-            <a:fld id="{5DF587FF-35D2-4A4F-BFC7-D2DC6CDC56C9}" type="slidenum">
+            <a:fld id="{0CD9E9AE-C5AB-48A4-9355-9AF7C529B05D}" type="slidenum">
               <a:rPr lang="zh-CN" altLang="en-US" smtClean="0"/>
               <a:t>‹#›</a:t>
             </a:fld>
@@ -2014,7 +2014,7 @@
     </p:spTree>
     <p:extLst>
       <p:ext uri="{BB962C8B-B14F-4D97-AF65-F5344CB8AC3E}">
-        <p14:creationId xmlns:p14="http://schemas.microsoft.com/office/powerpoint/2010/main" val="2870485968"/>
+        <p14:creationId xmlns:p14="http://schemas.microsoft.com/office/powerpoint/2010/main" val="2374647408"/>
       </p:ext>
     </p:extLst>
   </p:cSld>
@@ -2046,7 +2046,7 @@
           <p:cNvPr id="2" name="日期占位符 1">
             <a:extLst>
               <a:ext uri="{FF2B5EF4-FFF2-40B4-BE49-F238E27FC236}">
-                <a16:creationId xmlns:a16="http://schemas.microsoft.com/office/drawing/2014/main" id="{BBB66B57-7DEC-B8BB-0088-2154F92A1347}"/>
+                <a16:creationId xmlns:a16="http://schemas.microsoft.com/office/drawing/2014/main" id="{331E60A2-03AF-9E6F-8133-EC74C4FBB530}"/>
               </a:ext>
             </a:extLst>
           </p:cNvPr>
@@ -2062,7 +2062,7 @@
           <a:bodyPr/>
           <a:lstStyle/>
           <a:p>
-            <a:fld id="{838241CE-4232-44C3-8CDA-0FE9BDB4FCB2}" type="datetimeFigureOut">
+            <a:fld id="{4AE00DFD-1148-470B-A644-A9240A6FD5E7}" type="datetimeFigureOut">
               <a:rPr lang="zh-CN" altLang="en-US" smtClean="0"/>
               <a:t>2024/3/10</a:t>
             </a:fld>
@@ -2075,7 +2075,7 @@
           <p:cNvPr id="3" name="页脚占位符 2">
             <a:extLst>
               <a:ext uri="{FF2B5EF4-FFF2-40B4-BE49-F238E27FC236}">
-                <a16:creationId xmlns:a16="http://schemas.microsoft.com/office/drawing/2014/main" id="{9BB01D08-C382-9048-1EFC-DFD322197F25}"/>
+                <a16:creationId xmlns:a16="http://schemas.microsoft.com/office/drawing/2014/main" id="{FC68F371-51D8-57C4-115E-E3FA8FE2B7B7}"/>
               </a:ext>
             </a:extLst>
           </p:cNvPr>
@@ -2100,7 +2100,7 @@
           <p:cNvPr id="4" name="灯片编号占位符 3">
             <a:extLst>
               <a:ext uri="{FF2B5EF4-FFF2-40B4-BE49-F238E27FC236}">
-                <a16:creationId xmlns:a16="http://schemas.microsoft.com/office/drawing/2014/main" id="{42C0CFD7-FE64-189D-592A-25520C03FF81}"/>
+                <a16:creationId xmlns:a16="http://schemas.microsoft.com/office/drawing/2014/main" id="{D1390784-A5B8-A544-85DF-C3D4923DFEC7}"/>
               </a:ext>
             </a:extLst>
           </p:cNvPr>
@@ -2116,7 +2116,7 @@
           <a:bodyPr/>
           <a:lstStyle/>
           <a:p>
-            <a:fld id="{5DF587FF-35D2-4A4F-BFC7-D2DC6CDC56C9}" type="slidenum">
+            <a:fld id="{0CD9E9AE-C5AB-48A4-9355-9AF7C529B05D}" type="slidenum">
               <a:rPr lang="zh-CN" altLang="en-US" smtClean="0"/>
               <a:t>‹#›</a:t>
             </a:fld>
@@ -2127,7 +2127,7 @@
     </p:spTree>
     <p:extLst>
       <p:ext uri="{BB962C8B-B14F-4D97-AF65-F5344CB8AC3E}">
-        <p14:creationId xmlns:p14="http://schemas.microsoft.com/office/powerpoint/2010/main" val="424127358"/>
+        <p14:creationId xmlns:p14="http://schemas.microsoft.com/office/powerpoint/2010/main" val="2623187561"/>
       </p:ext>
     </p:extLst>
   </p:cSld>
@@ -2159,7 +2159,7 @@
           <p:cNvPr id="2" name="标题 1">
             <a:extLst>
               <a:ext uri="{FF2B5EF4-FFF2-40B4-BE49-F238E27FC236}">
-                <a16:creationId xmlns:a16="http://schemas.microsoft.com/office/drawing/2014/main" id="{C98F9067-0F2C-9502-098E-0E71558F62B6}"/>
+                <a16:creationId xmlns:a16="http://schemas.microsoft.com/office/drawing/2014/main" id="{922EA72B-A386-CB6F-8686-E1BB8BD5EFDF}"/>
               </a:ext>
             </a:extLst>
           </p:cNvPr>
@@ -2196,7 +2196,7 @@
           <p:cNvPr id="3" name="内容占位符 2">
             <a:extLst>
               <a:ext uri="{FF2B5EF4-FFF2-40B4-BE49-F238E27FC236}">
-                <a16:creationId xmlns:a16="http://schemas.microsoft.com/office/drawing/2014/main" id="{0D2F474C-7A60-A525-3588-3BF7AF6288BB}"/>
+                <a16:creationId xmlns:a16="http://schemas.microsoft.com/office/drawing/2014/main" id="{FE0161E1-3459-2919-0CAD-AB23BD1AADAF}"/>
               </a:ext>
             </a:extLst>
           </p:cNvPr>
@@ -2286,7 +2286,7 @@
           <p:cNvPr id="4" name="文本占位符 3">
             <a:extLst>
               <a:ext uri="{FF2B5EF4-FFF2-40B4-BE49-F238E27FC236}">
-                <a16:creationId xmlns:a16="http://schemas.microsoft.com/office/drawing/2014/main" id="{BE76A0D8-0974-CFEB-93DA-D63E37EB2236}"/>
+                <a16:creationId xmlns:a16="http://schemas.microsoft.com/office/drawing/2014/main" id="{DE2600BD-2FF9-2F84-ACA8-7B87574290EA}"/>
               </a:ext>
             </a:extLst>
           </p:cNvPr>
@@ -2357,7 +2357,7 @@
           <p:cNvPr id="5" name="日期占位符 4">
             <a:extLst>
               <a:ext uri="{FF2B5EF4-FFF2-40B4-BE49-F238E27FC236}">
-                <a16:creationId xmlns:a16="http://schemas.microsoft.com/office/drawing/2014/main" id="{87FDA9EB-674E-B770-C09E-C555A23BE24A}"/>
+                <a16:creationId xmlns:a16="http://schemas.microsoft.com/office/drawing/2014/main" id="{5A0ABC11-B5ED-0BFB-4943-046A9727FF97}"/>
               </a:ext>
             </a:extLst>
           </p:cNvPr>
@@ -2373,7 +2373,7 @@
           <a:bodyPr/>
           <a:lstStyle/>
           <a:p>
-            <a:fld id="{838241CE-4232-44C3-8CDA-0FE9BDB4FCB2}" type="datetimeFigureOut">
+            <a:fld id="{4AE00DFD-1148-470B-A644-A9240A6FD5E7}" type="datetimeFigureOut">
               <a:rPr lang="zh-CN" altLang="en-US" smtClean="0"/>
               <a:t>2024/3/10</a:t>
             </a:fld>
@@ -2386,7 +2386,7 @@
           <p:cNvPr id="6" name="页脚占位符 5">
             <a:extLst>
               <a:ext uri="{FF2B5EF4-FFF2-40B4-BE49-F238E27FC236}">
-                <a16:creationId xmlns:a16="http://schemas.microsoft.com/office/drawing/2014/main" id="{80361CD6-7F16-69C3-DF9A-ED0E804A9704}"/>
+                <a16:creationId xmlns:a16="http://schemas.microsoft.com/office/drawing/2014/main" id="{4B893B0B-64AB-B9C3-7FB9-8A75493B6009}"/>
               </a:ext>
             </a:extLst>
           </p:cNvPr>
@@ -2411,7 +2411,7 @@
           <p:cNvPr id="7" name="灯片编号占位符 6">
             <a:extLst>
               <a:ext uri="{FF2B5EF4-FFF2-40B4-BE49-F238E27FC236}">
-                <a16:creationId xmlns:a16="http://schemas.microsoft.com/office/drawing/2014/main" id="{8C5CDBF4-3BA1-8258-6920-37EBC4B9D1B5}"/>
+                <a16:creationId xmlns:a16="http://schemas.microsoft.com/office/drawing/2014/main" id="{1BCE15B1-5E6B-10E4-BC5F-174520FF88E0}"/>
               </a:ext>
             </a:extLst>
           </p:cNvPr>
@@ -2427,7 +2427,7 @@
           <a:bodyPr/>
           <a:lstStyle/>
           <a:p>
-            <a:fld id="{5DF587FF-35D2-4A4F-BFC7-D2DC6CDC56C9}" type="slidenum">
+            <a:fld id="{0CD9E9AE-C5AB-48A4-9355-9AF7C529B05D}" type="slidenum">
               <a:rPr lang="zh-CN" altLang="en-US" smtClean="0"/>
               <a:t>‹#›</a:t>
             </a:fld>
@@ -2438,7 +2438,7 @@
     </p:spTree>
     <p:extLst>
       <p:ext uri="{BB962C8B-B14F-4D97-AF65-F5344CB8AC3E}">
-        <p14:creationId xmlns:p14="http://schemas.microsoft.com/office/powerpoint/2010/main" val="2055329349"/>
+        <p14:creationId xmlns:p14="http://schemas.microsoft.com/office/powerpoint/2010/main" val="1564266881"/>
       </p:ext>
     </p:extLst>
   </p:cSld>
@@ -2470,7 +2470,7 @@
           <p:cNvPr id="2" name="标题 1">
             <a:extLst>
               <a:ext uri="{FF2B5EF4-FFF2-40B4-BE49-F238E27FC236}">
-                <a16:creationId xmlns:a16="http://schemas.microsoft.com/office/drawing/2014/main" id="{7E853C9B-D892-2817-FADB-DD79BDA13DC4}"/>
+                <a16:creationId xmlns:a16="http://schemas.microsoft.com/office/drawing/2014/main" id="{4A1A0A73-808F-F9A3-9571-CA008E9B9D68}"/>
               </a:ext>
             </a:extLst>
           </p:cNvPr>
@@ -2507,7 +2507,7 @@
           <p:cNvPr id="3" name="图片占位符 2">
             <a:extLst>
               <a:ext uri="{FF2B5EF4-FFF2-40B4-BE49-F238E27FC236}">
-                <a16:creationId xmlns:a16="http://schemas.microsoft.com/office/drawing/2014/main" id="{F07476FF-9F24-54DA-920D-5DA5C65C5C7D}"/>
+                <a16:creationId xmlns:a16="http://schemas.microsoft.com/office/drawing/2014/main" id="{D576351B-219C-F7E4-CC30-A45A8AA02778}"/>
               </a:ext>
             </a:extLst>
           </p:cNvPr>
@@ -2574,7 +2574,7 @@
           <p:cNvPr id="4" name="文本占位符 3">
             <a:extLst>
               <a:ext uri="{FF2B5EF4-FFF2-40B4-BE49-F238E27FC236}">
-                <a16:creationId xmlns:a16="http://schemas.microsoft.com/office/drawing/2014/main" id="{7F9A6621-9E72-15E7-682A-674BB48CE9A6}"/>
+                <a16:creationId xmlns:a16="http://schemas.microsoft.com/office/drawing/2014/main" id="{713E117B-C3BC-94F5-53B9-E2B643A703FF}"/>
               </a:ext>
             </a:extLst>
           </p:cNvPr>
@@ -2645,7 +2645,7 @@
           <p:cNvPr id="5" name="日期占位符 4">
             <a:extLst>
               <a:ext uri="{FF2B5EF4-FFF2-40B4-BE49-F238E27FC236}">
-                <a16:creationId xmlns:a16="http://schemas.microsoft.com/office/drawing/2014/main" id="{5FEB22DA-AFE9-1FB4-4866-DC394E374F69}"/>
+                <a16:creationId xmlns:a16="http://schemas.microsoft.com/office/drawing/2014/main" id="{24B49877-7D3C-DAA2-E653-5823CFB86D56}"/>
               </a:ext>
             </a:extLst>
           </p:cNvPr>
@@ -2661,7 +2661,7 @@
           <a:bodyPr/>
           <a:lstStyle/>
           <a:p>
-            <a:fld id="{838241CE-4232-44C3-8CDA-0FE9BDB4FCB2}" type="datetimeFigureOut">
+            <a:fld id="{4AE00DFD-1148-470B-A644-A9240A6FD5E7}" type="datetimeFigureOut">
               <a:rPr lang="zh-CN" altLang="en-US" smtClean="0"/>
               <a:t>2024/3/10</a:t>
             </a:fld>
@@ -2674,7 +2674,7 @@
           <p:cNvPr id="6" name="页脚占位符 5">
             <a:extLst>
               <a:ext uri="{FF2B5EF4-FFF2-40B4-BE49-F238E27FC236}">
-                <a16:creationId xmlns:a16="http://schemas.microsoft.com/office/drawing/2014/main" id="{F53A62DC-A47B-04A2-46DC-7DAAA4901BAB}"/>
+                <a16:creationId xmlns:a16="http://schemas.microsoft.com/office/drawing/2014/main" id="{6BFD01B0-1551-78EB-DA84-0418B8773BF4}"/>
               </a:ext>
             </a:extLst>
           </p:cNvPr>
@@ -2699,7 +2699,7 @@
           <p:cNvPr id="7" name="灯片编号占位符 6">
             <a:extLst>
               <a:ext uri="{FF2B5EF4-FFF2-40B4-BE49-F238E27FC236}">
-                <a16:creationId xmlns:a16="http://schemas.microsoft.com/office/drawing/2014/main" id="{47BBCA85-77D2-47B0-F4D2-51D2FEF4EB98}"/>
+                <a16:creationId xmlns:a16="http://schemas.microsoft.com/office/drawing/2014/main" id="{4817548F-8C29-5EC3-8AC3-4FFE23BC12C4}"/>
               </a:ext>
             </a:extLst>
           </p:cNvPr>
@@ -2715,7 +2715,7 @@
           <a:bodyPr/>
           <a:lstStyle/>
           <a:p>
-            <a:fld id="{5DF587FF-35D2-4A4F-BFC7-D2DC6CDC56C9}" type="slidenum">
+            <a:fld id="{0CD9E9AE-C5AB-48A4-9355-9AF7C529B05D}" type="slidenum">
               <a:rPr lang="zh-CN" altLang="en-US" smtClean="0"/>
               <a:t>‹#›</a:t>
             </a:fld>
@@ -2726,7 +2726,7 @@
     </p:spTree>
     <p:extLst>
       <p:ext uri="{BB962C8B-B14F-4D97-AF65-F5344CB8AC3E}">
-        <p14:creationId xmlns:p14="http://schemas.microsoft.com/office/powerpoint/2010/main" val="482028151"/>
+        <p14:creationId xmlns:p14="http://schemas.microsoft.com/office/powerpoint/2010/main" val="1043285124"/>
       </p:ext>
     </p:extLst>
   </p:cSld>
@@ -2763,7 +2763,7 @@
           <p:cNvPr id="2" name="标题占位符 1">
             <a:extLst>
               <a:ext uri="{FF2B5EF4-FFF2-40B4-BE49-F238E27FC236}">
-                <a16:creationId xmlns:a16="http://schemas.microsoft.com/office/drawing/2014/main" id="{B0257788-F68E-1C35-D0E9-F97FB64A4124}"/>
+                <a16:creationId xmlns:a16="http://schemas.microsoft.com/office/drawing/2014/main" id="{79E41690-39CF-E47A-CD69-78AA3A1A113E}"/>
               </a:ext>
             </a:extLst>
           </p:cNvPr>
@@ -2801,7 +2801,7 @@
           <p:cNvPr id="3" name="文本占位符 2">
             <a:extLst>
               <a:ext uri="{FF2B5EF4-FFF2-40B4-BE49-F238E27FC236}">
-                <a16:creationId xmlns:a16="http://schemas.microsoft.com/office/drawing/2014/main" id="{7B7A3544-C5E3-0EE3-CA2D-12403D67C722}"/>
+                <a16:creationId xmlns:a16="http://schemas.microsoft.com/office/drawing/2014/main" id="{1B88FFD3-09A0-AFA4-D0DF-33A4D97085DF}"/>
               </a:ext>
             </a:extLst>
           </p:cNvPr>
@@ -2868,7 +2868,7 @@
           <p:cNvPr id="4" name="日期占位符 3">
             <a:extLst>
               <a:ext uri="{FF2B5EF4-FFF2-40B4-BE49-F238E27FC236}">
-                <a16:creationId xmlns:a16="http://schemas.microsoft.com/office/drawing/2014/main" id="{A82C4C22-3749-9FBA-D66D-84DA5440AE62}"/>
+                <a16:creationId xmlns:a16="http://schemas.microsoft.com/office/drawing/2014/main" id="{E9820A2C-C1A3-6287-71F8-53950FD9B5A6}"/>
               </a:ext>
             </a:extLst>
           </p:cNvPr>
@@ -2902,7 +2902,7 @@
             </a:lvl1pPr>
           </a:lstStyle>
           <a:p>
-            <a:fld id="{838241CE-4232-44C3-8CDA-0FE9BDB4FCB2}" type="datetimeFigureOut">
+            <a:fld id="{4AE00DFD-1148-470B-A644-A9240A6FD5E7}" type="datetimeFigureOut">
               <a:rPr lang="zh-CN" altLang="en-US" smtClean="0"/>
               <a:t>2024/3/10</a:t>
             </a:fld>
@@ -2915,7 +2915,7 @@
           <p:cNvPr id="5" name="页脚占位符 4">
             <a:extLst>
               <a:ext uri="{FF2B5EF4-FFF2-40B4-BE49-F238E27FC236}">
-                <a16:creationId xmlns:a16="http://schemas.microsoft.com/office/drawing/2014/main" id="{E8897CEF-56EB-B6CC-C3B9-584472072804}"/>
+                <a16:creationId xmlns:a16="http://schemas.microsoft.com/office/drawing/2014/main" id="{FE65573D-C02F-4DA1-FE00-6DBEDF8070AF}"/>
               </a:ext>
             </a:extLst>
           </p:cNvPr>
@@ -2958,7 +2958,7 @@
           <p:cNvPr id="6" name="灯片编号占位符 5">
             <a:extLst>
               <a:ext uri="{FF2B5EF4-FFF2-40B4-BE49-F238E27FC236}">
-                <a16:creationId xmlns:a16="http://schemas.microsoft.com/office/drawing/2014/main" id="{228EBFD9-52BC-8C44-3C90-776A3D9BCBC4}"/>
+                <a16:creationId xmlns:a16="http://schemas.microsoft.com/office/drawing/2014/main" id="{FF59F3D0-8FBF-6F88-4276-63C727D6CF05}"/>
               </a:ext>
             </a:extLst>
           </p:cNvPr>
@@ -2992,7 +2992,7 @@
             </a:lvl1pPr>
           </a:lstStyle>
           <a:p>
-            <a:fld id="{5DF587FF-35D2-4A4F-BFC7-D2DC6CDC56C9}" type="slidenum">
+            <a:fld id="{0CD9E9AE-C5AB-48A4-9355-9AF7C529B05D}" type="slidenum">
               <a:rPr lang="zh-CN" altLang="en-US" smtClean="0"/>
               <a:t>‹#›</a:t>
             </a:fld>
@@ -3003,7 +3003,7 @@
     </p:spTree>
     <p:extLst>
       <p:ext uri="{BB962C8B-B14F-4D97-AF65-F5344CB8AC3E}">
-        <p14:creationId xmlns:p14="http://schemas.microsoft.com/office/powerpoint/2010/main" val="3954112516"/>
+        <p14:creationId xmlns:p14="http://schemas.microsoft.com/office/powerpoint/2010/main" val="929678661"/>
       </p:ext>
     </p:extLst>
   </p:cSld>
@@ -3323,7 +3323,7 @@
       </p:grpSpPr>
       <p:pic>
         <p:nvPicPr>
-          <p:cNvPr id="1338370" name="Picture 2" descr="1306"/>
+          <p:cNvPr id="1339394" name="Picture 2" descr="1307"/>
           <p:cNvPicPr>
             <a:picLocks noChangeAspect="1" noChangeArrowheads="1"/>
           </p:cNvPicPr>
@@ -3345,7 +3345,7 @@
         <p:spPr bwMode="auto">
           <a:xfrm>
             <a:off x="1524000" y="0"/>
-            <a:ext cx="9144000" cy="6858000"/>
+            <a:ext cx="9144000" cy="6789738"/>
           </a:xfrm>
           <a:prstGeom prst="rect">
             <a:avLst/>
@@ -3375,11 +3375,158 @@
           </a:extLst>
         </p:spPr>
       </p:pic>
+      <p:pic>
+        <p:nvPicPr>
+          <p:cNvPr id="1340419" name="Picture 3" descr="1307-2"/>
+          <p:cNvPicPr>
+            <a:picLocks noChangeAspect="1" noChangeArrowheads="1"/>
+          </p:cNvPicPr>
+          <p:nvPr/>
+        </p:nvPicPr>
+        <p:blipFill>
+          <a:blip r:embed="rId3">
+            <a:extLst>
+              <a:ext uri="{28A0092B-C50C-407E-A947-70E740481C1C}">
+                <a14:useLocalDpi xmlns:a14="http://schemas.microsoft.com/office/drawing/2010/main" val="0"/>
+              </a:ext>
+            </a:extLst>
+          </a:blip>
+          <a:srcRect/>
+          <a:stretch>
+            <a:fillRect/>
+          </a:stretch>
+        </p:blipFill>
+        <p:spPr bwMode="auto">
+          <a:xfrm>
+            <a:off x="1524000" y="0"/>
+            <a:ext cx="9144000" cy="6858000"/>
+          </a:xfrm>
+          <a:prstGeom prst="rect">
+            <a:avLst/>
+          </a:prstGeom>
+          <a:noFill/>
+          <a:ln>
+            <a:noFill/>
+          </a:ln>
+          <a:effectLst/>
+          <a:extLst>
+            <a:ext uri="{909E8E84-426E-40DD-AFC4-6F175D3DCCD1}">
+              <a14:hiddenFill xmlns:a14="http://schemas.microsoft.com/office/drawing/2010/main">
+                <a:solidFill>
+                  <a:srgbClr val="FFFFFF"/>
+                </a:solidFill>
+              </a14:hiddenFill>
+            </a:ext>
+            <a:ext uri="{91240B29-F687-4F45-9708-019B960494DF}">
+              <a14:hiddenLine xmlns:a14="http://schemas.microsoft.com/office/drawing/2010/main" w="9525">
+                <a:solidFill>
+                  <a:srgbClr val="000000"/>
+                </a:solidFill>
+                <a:miter lim="800000"/>
+                <a:headEnd/>
+                <a:tailEnd/>
+              </a14:hiddenLine>
+            </a:ext>
+            <a:ext uri="{AF507438-7753-43E0-B8FC-AC1667EBCBE1}">
+              <a14:hiddenEffects xmlns:a14="http://schemas.microsoft.com/office/drawing/2010/main">
+                <a:effectLst>
+                  <a:outerShdw dist="35921" dir="2700000" algn="ctr" rotWithShape="0">
+                    <a:srgbClr val="808080"/>
+                  </a:outerShdw>
+                </a:effectLst>
+              </a14:hiddenEffects>
+            </a:ext>
+          </a:extLst>
+        </p:spPr>
+      </p:pic>
     </p:spTree>
   </p:cSld>
   <p:clrMapOvr>
     <a:masterClrMapping/>
   </p:clrMapOvr>
+  <p:timing>
+    <p:tnLst>
+      <p:par>
+        <p:cTn id="1" dur="indefinite" restart="never" nodeType="tmRoot">
+          <p:childTnLst>
+            <p:seq concurrent="1" nextAc="seek">
+              <p:cTn id="2" dur="indefinite" nodeType="mainSeq">
+                <p:childTnLst>
+                  <p:par>
+                    <p:cTn id="3" fill="hold" nodeType="clickPar">
+                      <p:stCondLst>
+                        <p:cond delay="indefinite"/>
+                      </p:stCondLst>
+                      <p:childTnLst>
+                        <p:par>
+                          <p:cTn id="4" fill="hold" nodeType="withGroup">
+                            <p:stCondLst>
+                              <p:cond delay="0"/>
+                            </p:stCondLst>
+                            <p:childTnLst>
+                              <p:par>
+                                <p:cTn id="5" presetID="10" presetClass="entr" presetSubtype="0" fill="hold" nodeType="clickEffect">
+                                  <p:stCondLst>
+                                    <p:cond delay="0"/>
+                                  </p:stCondLst>
+                                  <p:childTnLst>
+                                    <p:set>
+                                      <p:cBhvr>
+                                        <p:cTn id="6" dur="1" fill="hold">
+                                          <p:stCondLst>
+                                            <p:cond delay="0"/>
+                                          </p:stCondLst>
+                                        </p:cTn>
+                                        <p:tgtEl>
+                                          <p:spTgt spid="1340419"/>
+                                        </p:tgtEl>
+                                        <p:attrNameLst>
+                                          <p:attrName>style.visibility</p:attrName>
+                                        </p:attrNameLst>
+                                      </p:cBhvr>
+                                      <p:to>
+                                        <p:strVal val="visible"/>
+                                      </p:to>
+                                    </p:set>
+                                    <p:animEffect transition="in" filter="fade">
+                                      <p:cBhvr>
+                                        <p:cTn id="7" dur="500"/>
+                                        <p:tgtEl>
+                                          <p:spTgt spid="1340419"/>
+                                        </p:tgtEl>
+                                      </p:cBhvr>
+                                    </p:animEffect>
+                                  </p:childTnLst>
+                                </p:cTn>
+                              </p:par>
+                            </p:childTnLst>
+                          </p:cTn>
+                        </p:par>
+                      </p:childTnLst>
+                    </p:cTn>
+                  </p:par>
+                </p:childTnLst>
+              </p:cTn>
+              <p:prevCondLst>
+                <p:cond evt="onPrev" delay="0">
+                  <p:tgtEl>
+                    <p:sldTgt/>
+                  </p:tgtEl>
+                </p:cond>
+              </p:prevCondLst>
+              <p:nextCondLst>
+                <p:cond evt="onNext" delay="0">
+                  <p:tgtEl>
+                    <p:sldTgt/>
+                  </p:tgtEl>
+                </p:cond>
+              </p:nextCondLst>
+            </p:seq>
+          </p:childTnLst>
+        </p:cTn>
+      </p:par>
+    </p:tnLst>
+  </p:timing>
 </p:sld>
 </file>
 
